--- a/chapter3/ASE_3_PSP_Career.pptx
+++ b/chapter3/ASE_3_PSP_Career.pptx
@@ -203,7 +203,7 @@
 <file path=ppt/revisionInfo.xml><?xml version="1.0" encoding="utf-8"?>
 <p1510:revInfo xmlns:a="http://schemas.openxmlformats.org/drawingml/2006/main" xmlns:r="http://schemas.openxmlformats.org/officeDocument/2006/relationships" xmlns:p1510="http://schemas.microsoft.com/office/powerpoint/2015/10/main">
   <p1510:revLst>
-    <p1510:client id="{FE08A991-EB5C-498E-983D-97A2BE0F5BFB}" v="4662" dt="2018-10-08T05:56:17.537"/>
+    <p1510:client id="{B2671A2C-B444-47B6-830B-E020D46D4C77}" v="12" dt="2019-09-04T03:53:25.106"/>
   </p1510:revLst>
 </p1510:revInfo>
 </file>
@@ -1296,6 +1296,90 @@
       </pc:sldChg>
     </pc:docChg>
   </pc:docChgLst>
+  <pc:docChgLst>
+    <pc:chgData name="Xin Zou" userId="260b9726081dae15" providerId="LiveId" clId="{B2671A2C-B444-47B6-830B-E020D46D4C77}"/>
+    <pc:docChg chg="custSel modSld">
+      <pc:chgData name="Xin Zou" userId="260b9726081dae15" providerId="LiveId" clId="{B2671A2C-B444-47B6-830B-E020D46D4C77}" dt="2019-09-04T03:53:25.103" v="18" actId="13926"/>
+      <pc:docMkLst>
+        <pc:docMk/>
+      </pc:docMkLst>
+      <pc:sldChg chg="modSp">
+        <pc:chgData name="Xin Zou" userId="260b9726081dae15" providerId="LiveId" clId="{B2671A2C-B444-47B6-830B-E020D46D4C77}" dt="2019-09-04T03:50:57.702" v="1" actId="27636"/>
+        <pc:sldMkLst>
+          <pc:docMk/>
+          <pc:sldMk cId="0" sldId="284"/>
+        </pc:sldMkLst>
+        <pc:spChg chg="mod">
+          <ac:chgData name="Xin Zou" userId="260b9726081dae15" providerId="LiveId" clId="{B2671A2C-B444-47B6-830B-E020D46D4C77}" dt="2019-09-04T03:50:57.702" v="1" actId="27636"/>
+          <ac:spMkLst>
+            <pc:docMk/>
+            <pc:sldMk cId="0" sldId="284"/>
+            <ac:spMk id="3" creationId="{00000000-0000-0000-0000-000000000000}"/>
+          </ac:spMkLst>
+        </pc:spChg>
+      </pc:sldChg>
+      <pc:sldChg chg="modSp">
+        <pc:chgData name="Xin Zou" userId="260b9726081dae15" providerId="LiveId" clId="{B2671A2C-B444-47B6-830B-E020D46D4C77}" dt="2019-09-04T03:51:24.661" v="3" actId="27636"/>
+        <pc:sldMkLst>
+          <pc:docMk/>
+          <pc:sldMk cId="1469810937" sldId="304"/>
+        </pc:sldMkLst>
+        <pc:spChg chg="mod">
+          <ac:chgData name="Xin Zou" userId="260b9726081dae15" providerId="LiveId" clId="{B2671A2C-B444-47B6-830B-E020D46D4C77}" dt="2019-09-04T03:51:24.661" v="3" actId="27636"/>
+          <ac:spMkLst>
+            <pc:docMk/>
+            <pc:sldMk cId="1469810937" sldId="304"/>
+            <ac:spMk id="3" creationId="{9F449120-2354-4B84-892E-F00A42C74A5D}"/>
+          </ac:spMkLst>
+        </pc:spChg>
+      </pc:sldChg>
+      <pc:sldChg chg="modSp">
+        <pc:chgData name="Xin Zou" userId="260b9726081dae15" providerId="LiveId" clId="{B2671A2C-B444-47B6-830B-E020D46D4C77}" dt="2019-09-04T03:51:56.988" v="5" actId="14100"/>
+        <pc:sldMkLst>
+          <pc:docMk/>
+          <pc:sldMk cId="3059523748" sldId="305"/>
+        </pc:sldMkLst>
+        <pc:spChg chg="mod">
+          <ac:chgData name="Xin Zou" userId="260b9726081dae15" providerId="LiveId" clId="{B2671A2C-B444-47B6-830B-E020D46D4C77}" dt="2019-09-04T03:51:56.988" v="5" actId="14100"/>
+          <ac:spMkLst>
+            <pc:docMk/>
+            <pc:sldMk cId="3059523748" sldId="305"/>
+            <ac:spMk id="3" creationId="{62EB2482-9CFE-4BA5-87D1-6F24EB602CB8}"/>
+          </ac:spMkLst>
+        </pc:spChg>
+      </pc:sldChg>
+      <pc:sldChg chg="modSp">
+        <pc:chgData name="Xin Zou" userId="260b9726081dae15" providerId="LiveId" clId="{B2671A2C-B444-47B6-830B-E020D46D4C77}" dt="2019-09-04T03:52:05.887" v="6" actId="1076"/>
+        <pc:sldMkLst>
+          <pc:docMk/>
+          <pc:sldMk cId="1735068261" sldId="306"/>
+        </pc:sldMkLst>
+        <pc:picChg chg="mod">
+          <ac:chgData name="Xin Zou" userId="260b9726081dae15" providerId="LiveId" clId="{B2671A2C-B444-47B6-830B-E020D46D4C77}" dt="2019-09-04T03:52:05.887" v="6" actId="1076"/>
+          <ac:picMkLst>
+            <pc:docMk/>
+            <pc:sldMk cId="1735068261" sldId="306"/>
+            <ac:picMk id="4" creationId="{75463CFF-537B-43C4-9208-178321B74503}"/>
+          </ac:picMkLst>
+        </pc:picChg>
+      </pc:sldChg>
+      <pc:sldChg chg="modSp">
+        <pc:chgData name="Xin Zou" userId="260b9726081dae15" providerId="LiveId" clId="{B2671A2C-B444-47B6-830B-E020D46D4C77}" dt="2019-09-04T03:53:25.103" v="18" actId="13926"/>
+        <pc:sldMkLst>
+          <pc:docMk/>
+          <pc:sldMk cId="1647869658" sldId="308"/>
+        </pc:sldMkLst>
+        <pc:spChg chg="mod">
+          <ac:chgData name="Xin Zou" userId="260b9726081dae15" providerId="LiveId" clId="{B2671A2C-B444-47B6-830B-E020D46D4C77}" dt="2019-09-04T03:53:25.103" v="18" actId="13926"/>
+          <ac:spMkLst>
+            <pc:docMk/>
+            <pc:sldMk cId="1647869658" sldId="308"/>
+            <ac:spMk id="3" creationId="{3953811D-FB60-4427-9B84-943EB8BDA8CD}"/>
+          </ac:spMkLst>
+        </pc:spChg>
+      </pc:sldChg>
+    </pc:docChg>
+  </pc:docChgLst>
 </pc:chgInfo>
 </file>
 
@@ -1382,7 +1466,7 @@
             <a:fld id="{E4B1B442-110D-40F1-A0D3-D0D26DD945CA}" type="datetimeFigureOut">
               <a:rPr lang="en-US" smtClean="0"/>
               <a:pPr/>
-              <a:t>10/7/2018</a:t>
+              <a:t>9/4/2019</a:t>
             </a:fld>
             <a:endParaRPr lang="en-US"/>
           </a:p>
@@ -3269,7 +3353,7 @@
           <a:p>
             <a:fld id="{48A87A34-81AB-432B-8DAE-1953F412C126}" type="datetimeFigureOut">
               <a:rPr lang="en-US" smtClean="0"/>
-              <a:t>10/7/2018</a:t>
+              <a:t>9/4/2019</a:t>
             </a:fld>
             <a:endParaRPr lang="en-US" dirty="0"/>
           </a:p>
@@ -3551,7 +3635,7 @@
             <a:fld id="{48A87A34-81AB-432B-8DAE-1953F412C126}" type="datetimeFigureOut">
               <a:rPr lang="en-US" smtClean="0"/>
               <a:pPr/>
-              <a:t>10/7/2018</a:t>
+              <a:t>9/4/2019</a:t>
             </a:fld>
             <a:endParaRPr lang="en-US" dirty="0"/>
           </a:p>
@@ -3745,7 +3829,7 @@
             <a:fld id="{48A87A34-81AB-432B-8DAE-1953F412C126}" type="datetimeFigureOut">
               <a:rPr lang="en-US" smtClean="0"/>
               <a:pPr/>
-              <a:t>10/7/2018</a:t>
+              <a:t>9/4/2019</a:t>
             </a:fld>
             <a:endParaRPr lang="en-US" dirty="0"/>
           </a:p>
@@ -4008,7 +4092,7 @@
             <a:fld id="{48A87A34-81AB-432B-8DAE-1953F412C126}" type="datetimeFigureOut">
               <a:rPr lang="en-US" smtClean="0"/>
               <a:pPr/>
-              <a:t>10/7/2018</a:t>
+              <a:t>9/4/2019</a:t>
             </a:fld>
             <a:endParaRPr lang="en-US" dirty="0"/>
           </a:p>
@@ -4436,7 +4520,7 @@
             <a:fld id="{48A87A34-81AB-432B-8DAE-1953F412C126}" type="datetimeFigureOut">
               <a:rPr lang="en-US" smtClean="0"/>
               <a:pPr/>
-              <a:t>10/7/2018</a:t>
+              <a:t>9/4/2019</a:t>
             </a:fld>
             <a:endParaRPr lang="en-US" dirty="0"/>
           </a:p>
@@ -4984,7 +5068,7 @@
             <a:fld id="{48A87A34-81AB-432B-8DAE-1953F412C126}" type="datetimeFigureOut">
               <a:rPr lang="en-US" smtClean="0"/>
               <a:pPr/>
-              <a:t>10/7/2018</a:t>
+              <a:t>9/4/2019</a:t>
             </a:fld>
             <a:endParaRPr lang="en-US" dirty="0"/>
           </a:p>
@@ -5817,7 +5901,7 @@
             <a:fld id="{48A87A34-81AB-432B-8DAE-1953F412C126}" type="datetimeFigureOut">
               <a:rPr lang="en-US" smtClean="0"/>
               <a:pPr/>
-              <a:t>10/7/2018</a:t>
+              <a:t>9/4/2019</a:t>
             </a:fld>
             <a:endParaRPr lang="en-US" dirty="0"/>
           </a:p>
@@ -5988,7 +6072,7 @@
           <a:p>
             <a:fld id="{48A87A34-81AB-432B-8DAE-1953F412C126}" type="datetimeFigureOut">
               <a:rPr lang="en-US" smtClean="0"/>
-              <a:t>10/7/2018</a:t>
+              <a:t>9/4/2019</a:t>
             </a:fld>
             <a:endParaRPr lang="en-US" dirty="0"/>
           </a:p>
@@ -6168,7 +6252,7 @@
           <a:p>
             <a:fld id="{48A87A34-81AB-432B-8DAE-1953F412C126}" type="datetimeFigureOut">
               <a:rPr lang="en-US" smtClean="0"/>
-              <a:t>10/7/2018</a:t>
+              <a:t>9/4/2019</a:t>
             </a:fld>
             <a:endParaRPr lang="en-US" dirty="0"/>
           </a:p>
@@ -6338,7 +6422,7 @@
           <a:p>
             <a:fld id="{48A87A34-81AB-432B-8DAE-1953F412C126}" type="datetimeFigureOut">
               <a:rPr lang="en-US" smtClean="0"/>
-              <a:t>10/7/2018</a:t>
+              <a:t>9/4/2019</a:t>
             </a:fld>
             <a:endParaRPr lang="en-US" dirty="0"/>
           </a:p>
@@ -6595,7 +6679,7 @@
           <a:p>
             <a:fld id="{48A87A34-81AB-432B-8DAE-1953F412C126}" type="datetimeFigureOut">
               <a:rPr lang="en-US" smtClean="0"/>
-              <a:t>10/7/2018</a:t>
+              <a:t>9/4/2019</a:t>
             </a:fld>
             <a:endParaRPr lang="en-US" dirty="0"/>
           </a:p>
@@ -6827,7 +6911,7 @@
           <a:p>
             <a:fld id="{48A87A34-81AB-432B-8DAE-1953F412C126}" type="datetimeFigureOut">
               <a:rPr lang="en-US" smtClean="0"/>
-              <a:t>10/7/2018</a:t>
+              <a:t>9/4/2019</a:t>
             </a:fld>
             <a:endParaRPr lang="en-US" dirty="0"/>
           </a:p>
@@ -7220,7 +7304,7 @@
           <a:p>
             <a:fld id="{48A87A34-81AB-432B-8DAE-1953F412C126}" type="datetimeFigureOut">
               <a:rPr lang="en-US" smtClean="0"/>
-              <a:t>10/7/2018</a:t>
+              <a:t>9/4/2019</a:t>
             </a:fld>
             <a:endParaRPr lang="en-US" dirty="0"/>
           </a:p>
@@ -7338,7 +7422,7 @@
           <a:p>
             <a:fld id="{48A87A34-81AB-432B-8DAE-1953F412C126}" type="datetimeFigureOut">
               <a:rPr lang="en-US" smtClean="0"/>
-              <a:t>10/7/2018</a:t>
+              <a:t>9/4/2019</a:t>
             </a:fld>
             <a:endParaRPr lang="en-US" dirty="0"/>
           </a:p>
@@ -7433,7 +7517,7 @@
           <a:p>
             <a:fld id="{48A87A34-81AB-432B-8DAE-1953F412C126}" type="datetimeFigureOut">
               <a:rPr lang="en-US" smtClean="0"/>
-              <a:t>10/7/2018</a:t>
+              <a:t>9/4/2019</a:t>
             </a:fld>
             <a:endParaRPr lang="en-US" dirty="0"/>
           </a:p>
@@ -7706,7 +7790,7 @@
           <a:p>
             <a:fld id="{48A87A34-81AB-432B-8DAE-1953F412C126}" type="datetimeFigureOut">
               <a:rPr lang="en-US" smtClean="0"/>
-              <a:t>10/7/2018</a:t>
+              <a:t>9/4/2019</a:t>
             </a:fld>
             <a:endParaRPr lang="en-US" dirty="0"/>
           </a:p>
@@ -7987,7 +8071,7 @@
           <a:p>
             <a:fld id="{48A87A34-81AB-432B-8DAE-1953F412C126}" type="datetimeFigureOut">
               <a:rPr lang="en-US" smtClean="0"/>
-              <a:t>10/7/2018</a:t>
+              <a:t>9/4/2019</a:t>
             </a:fld>
             <a:endParaRPr lang="en-US" dirty="0"/>
           </a:p>
@@ -8228,7 +8312,7 @@
             <a:fld id="{48A87A34-81AB-432B-8DAE-1953F412C126}" type="datetimeFigureOut">
               <a:rPr lang="en-US" smtClean="0"/>
               <a:pPr/>
-              <a:t>10/7/2018</a:t>
+              <a:t>9/4/2019</a:t>
             </a:fld>
             <a:endParaRPr lang="en-US" dirty="0"/>
           </a:p>
@@ -11484,11 +11568,14 @@
         <p:spPr/>
         <p:txBody>
           <a:bodyPr>
-            <a:normAutofit fontScale="92500" lnSpcReduction="20000"/>
+            <a:normAutofit fontScale="62500" lnSpcReduction="20000"/>
           </a:bodyPr>
           <a:lstStyle/>
           <a:p>
             <a:pPr>
+              <a:lnSpc>
+                <a:spcPct val="120000"/>
+              </a:lnSpc>
               <a:buNone/>
             </a:pPr>
             <a:r>
@@ -11648,6 +11735,9 @@
           </a:p>
           <a:p>
             <a:pPr>
+              <a:lnSpc>
+                <a:spcPct val="120000"/>
+              </a:lnSpc>
               <a:buNone/>
             </a:pPr>
             <a:r>
@@ -11657,6 +11747,9 @@
           </a:p>
           <a:p>
             <a:pPr>
+              <a:lnSpc>
+                <a:spcPct val="120000"/>
+              </a:lnSpc>
               <a:buNone/>
             </a:pPr>
             <a:r>
@@ -11667,6 +11760,9 @@
           </a:p>
           <a:p>
             <a:pPr>
+              <a:lnSpc>
+                <a:spcPct val="120000"/>
+              </a:lnSpc>
               <a:buNone/>
             </a:pPr>
             <a:r>
@@ -11676,6 +11772,9 @@
           </a:p>
           <a:p>
             <a:pPr>
+              <a:lnSpc>
+                <a:spcPct val="120000"/>
+              </a:lnSpc>
               <a:buNone/>
             </a:pPr>
             <a:r>
@@ -16101,10 +16200,15 @@
         <p:spPr/>
         <p:txBody>
           <a:bodyPr>
-            <a:normAutofit fontScale="62500" lnSpcReduction="20000"/>
+            <a:normAutofit fontScale="47500" lnSpcReduction="20000"/>
           </a:bodyPr>
           <a:lstStyle/>
           <a:p>
+            <a:pPr>
+              <a:lnSpc>
+                <a:spcPct val="120000"/>
+              </a:lnSpc>
+            </a:pPr>
             <a:r>
               <a:rPr lang="en-US" altLang="zh-CN" dirty="0"/>
               <a:t>1.  </a:t>
@@ -16116,7 +16220,11 @@
             <a:endParaRPr lang="en-US" altLang="zh-CN" dirty="0"/>
           </a:p>
           <a:p>
-            <a:pPr lvl="1"/>
+            <a:pPr lvl="1">
+              <a:lnSpc>
+                <a:spcPct val="120000"/>
+              </a:lnSpc>
+            </a:pPr>
             <a:r>
               <a:rPr lang="zh-CN" altLang="en-US" dirty="0"/>
               <a:t>能有效地和其他队员交流，从大的技术方向，到看似微小的问题。 </a:t>
@@ -16124,6 +16232,11 @@
             <a:endParaRPr lang="en-US" altLang="zh-CN" dirty="0"/>
           </a:p>
           <a:p>
+            <a:pPr>
+              <a:lnSpc>
+                <a:spcPct val="120000"/>
+              </a:lnSpc>
+            </a:pPr>
             <a:r>
               <a:rPr lang="en-US" altLang="zh-CN" dirty="0"/>
               <a:t>2.  </a:t>
@@ -16135,7 +16248,11 @@
             <a:endParaRPr lang="en-US" altLang="zh-CN" dirty="0"/>
           </a:p>
           <a:p>
-            <a:pPr lvl="1"/>
+            <a:pPr lvl="1">
+              <a:lnSpc>
+                <a:spcPct val="120000"/>
+              </a:lnSpc>
+            </a:pPr>
             <a:r>
               <a:rPr lang="zh-CN" altLang="en-US" dirty="0"/>
               <a:t>“按时交付”。 </a:t>
@@ -16143,6 +16260,11 @@
             <a:endParaRPr lang="en-US" altLang="zh-CN" dirty="0"/>
           </a:p>
           <a:p>
+            <a:pPr>
+              <a:lnSpc>
+                <a:spcPct val="120000"/>
+              </a:lnSpc>
+            </a:pPr>
             <a:r>
               <a:rPr lang="en-US" altLang="zh-CN" dirty="0"/>
               <a:t>3.  </a:t>
@@ -16154,7 +16276,11 @@
             <a:endParaRPr lang="en-US" altLang="zh-CN" dirty="0"/>
           </a:p>
           <a:p>
-            <a:pPr lvl="1"/>
+            <a:pPr lvl="1">
+              <a:lnSpc>
+                <a:spcPct val="120000"/>
+              </a:lnSpc>
+            </a:pPr>
             <a:r>
               <a:rPr lang="zh-CN" altLang="en-US" dirty="0"/>
               <a:t>团队要完成任务，有很多事情要做，是否能 接受不同的任务并高质量完成？ </a:t>
@@ -16162,6 +16288,11 @@
             <a:endParaRPr lang="en-US" altLang="zh-CN" dirty="0"/>
           </a:p>
           <a:p>
+            <a:pPr>
+              <a:lnSpc>
+                <a:spcPct val="120000"/>
+              </a:lnSpc>
+            </a:pPr>
             <a:r>
               <a:rPr lang="en-US" altLang="zh-CN" dirty="0"/>
               <a:t>4.  </a:t>
@@ -16173,7 +16304,11 @@
             <a:endParaRPr lang="en-US" altLang="zh-CN" dirty="0"/>
           </a:p>
           <a:p>
-            <a:pPr lvl="1"/>
+            <a:pPr lvl="1">
+              <a:lnSpc>
+                <a:spcPct val="120000"/>
+              </a:lnSpc>
+            </a:pPr>
             <a:r>
               <a:rPr lang="zh-CN" altLang="en-US" dirty="0"/>
               <a:t>就像一些评审会议，代码复审，都要全力以赴地参加，而不是 游离于团队之外。 </a:t>
@@ -16181,6 +16316,11 @@
             <a:endParaRPr lang="en-US" altLang="zh-CN" dirty="0"/>
           </a:p>
           <a:p>
+            <a:pPr>
+              <a:lnSpc>
+                <a:spcPct val="120000"/>
+              </a:lnSpc>
+            </a:pPr>
             <a:r>
               <a:rPr lang="en-US" altLang="zh-CN" dirty="0"/>
               <a:t>5.  </a:t>
@@ -16192,7 +16332,11 @@
             <a:endParaRPr lang="en-US" altLang="zh-CN" dirty="0"/>
           </a:p>
           <a:p>
-            <a:pPr lvl="1"/>
+            <a:pPr lvl="1">
+              <a:lnSpc>
+                <a:spcPct val="120000"/>
+              </a:lnSpc>
+            </a:pPr>
             <a:r>
               <a:rPr lang="zh-CN" altLang="en-US" dirty="0"/>
               <a:t>团队有自己的流程（见“团队和流程”一章），个人的能 力即使很强，也要按照团队制定的流程工作，而不要认为自己不受流程约束。 </a:t>
@@ -16200,6 +16344,11 @@
             <a:endParaRPr lang="en-US" altLang="zh-CN" dirty="0"/>
           </a:p>
           <a:p>
+            <a:pPr>
+              <a:lnSpc>
+                <a:spcPct val="120000"/>
+              </a:lnSpc>
+            </a:pPr>
             <a:r>
               <a:rPr lang="en-US" altLang="zh-CN" dirty="0"/>
               <a:t>6.  </a:t>
@@ -16211,7 +16360,11 @@
             <a:endParaRPr lang="en-US" altLang="zh-CN" dirty="0"/>
           </a:p>
           <a:p>
-            <a:pPr lvl="1"/>
+            <a:pPr lvl="1">
+              <a:lnSpc>
+                <a:spcPct val="120000"/>
+              </a:lnSpc>
+            </a:pPr>
             <a:r>
               <a:rPr lang="zh-CN" altLang="en-US" dirty="0"/>
               <a:t>在开会讨论之前，开始一个新功能之前，一个新项目之前，都要做好准备工作。 </a:t>
@@ -16219,6 +16372,11 @@
             <a:endParaRPr lang="en-US" altLang="zh-CN" dirty="0"/>
           </a:p>
           <a:p>
+            <a:pPr>
+              <a:lnSpc>
+                <a:spcPct val="120000"/>
+              </a:lnSpc>
+            </a:pPr>
             <a:r>
               <a:rPr lang="en-US" altLang="zh-CN" dirty="0"/>
               <a:t>7.  </a:t>
@@ -16230,7 +16388,11 @@
             <a:endParaRPr lang="en-US" altLang="zh-CN" dirty="0"/>
           </a:p>
           <a:p>
-            <a:pPr lvl="1"/>
+            <a:pPr lvl="1">
+              <a:lnSpc>
+                <a:spcPct val="120000"/>
+              </a:lnSpc>
+            </a:pPr>
             <a:r>
               <a:rPr lang="zh-CN" altLang="en-US" dirty="0"/>
               <a:t>软件开发有很多个人的、感情驱动的因素，但是一个成熟的团队成员必 须从事实和数据出发，按照流程，理性地工作。</a:t>
@@ -16316,8 +16478,8 @@
         </p:nvSpPr>
         <p:spPr>
           <a:xfrm>
-            <a:off x="1981200" y="1775192"/>
-            <a:ext cx="4800600" cy="4625609"/>
+            <a:off x="838200" y="1690688"/>
+            <a:ext cx="5867400" cy="4625609"/>
           </a:xfrm>
         </p:spPr>
         <p:txBody>
@@ -16573,7 +16735,7 @@
         </p:blipFill>
         <p:spPr>
           <a:xfrm>
-            <a:off x="3810000" y="3657601"/>
+            <a:off x="5715000" y="3048000"/>
             <a:ext cx="4343400" cy="1792853"/>
           </a:xfrm>
           <a:prstGeom prst="rect">
@@ -16669,10 +16831,15 @@
         <p:spPr/>
         <p:txBody>
           <a:bodyPr>
-            <a:normAutofit fontScale="62500" lnSpcReduction="20000"/>
+            <a:normAutofit fontScale="55000" lnSpcReduction="20000"/>
           </a:bodyPr>
           <a:lstStyle/>
           <a:p>
+            <a:pPr>
+              <a:lnSpc>
+                <a:spcPct val="120000"/>
+              </a:lnSpc>
+            </a:pPr>
             <a:r>
               <a:rPr lang="zh-CN" altLang="en-US" dirty="0"/>
               <a:t>不分主次，想解决所有问题 </a:t>
@@ -16719,9 +16886,19 @@
             </a:r>
           </a:p>
           <a:p>
+            <a:pPr>
+              <a:lnSpc>
+                <a:spcPct val="120000"/>
+              </a:lnSpc>
+            </a:pPr>
             <a:endParaRPr lang="en-US" altLang="zh-CN" dirty="0"/>
           </a:p>
           <a:p>
+            <a:pPr>
+              <a:lnSpc>
+                <a:spcPct val="120000"/>
+              </a:lnSpc>
+            </a:pPr>
             <a:r>
               <a:rPr lang="zh-CN" altLang="en-US" dirty="0"/>
               <a:t>小飞早上醒来之后，发现宿舍的哥们都</a:t>
@@ -16729,7 +16906,7 @@
             <a:r>
               <a:rPr lang="zh-CN" altLang="en-US" dirty="0">
                 <a:highlight>
-                  <a:srgbClr val="FFFF00"/>
+                  <a:srgbClr val="0000FF"/>
                 </a:highlight>
               </a:rPr>
               <a:t>出门学习</a:t>
@@ -16741,6 +16918,11 @@
             <a:endParaRPr lang="en-US" altLang="zh-CN" dirty="0"/>
           </a:p>
           <a:p>
+            <a:pPr>
+              <a:lnSpc>
+                <a:spcPct val="120000"/>
+              </a:lnSpc>
+            </a:pPr>
             <a:r>
               <a:rPr lang="zh-CN" altLang="en-US" dirty="0"/>
               <a:t>他拎着书包出了门，发现</a:t>
@@ -16748,7 +16930,7 @@
             <a:r>
               <a:rPr lang="zh-CN" altLang="en-US" dirty="0">
                 <a:highlight>
-                  <a:srgbClr val="FFFF00"/>
+                  <a:srgbClr val="0000FF"/>
                 </a:highlight>
               </a:rPr>
               <a:t>自行车轮胎气不足</a:t>
@@ -16760,7 +16942,7 @@
             <a:r>
               <a:rPr lang="zh-CN" altLang="en-US" dirty="0">
                 <a:highlight>
-                  <a:srgbClr val="FFFF00"/>
+                  <a:srgbClr val="0000FF"/>
                 </a:highlight>
               </a:rPr>
               <a:t>打气筒</a:t>
@@ -16772,6 +16954,11 @@
             <a:endParaRPr lang="en-US" altLang="zh-CN" dirty="0"/>
           </a:p>
           <a:p>
+            <a:pPr>
+              <a:lnSpc>
+                <a:spcPct val="120000"/>
+              </a:lnSpc>
+            </a:pPr>
             <a:r>
               <a:rPr lang="zh-CN" altLang="en-US" dirty="0"/>
               <a:t>果冻说他的打气筒昨天拿到他</a:t>
@@ -16779,7 +16966,7 @@
             <a:r>
               <a:rPr lang="zh-CN" altLang="en-US" dirty="0">
                 <a:highlight>
-                  <a:srgbClr val="FFFF00"/>
+                  <a:srgbClr val="0000FF"/>
                 </a:highlight>
               </a:rPr>
               <a:t>女朋友荔荔</a:t>
@@ -16791,7 +16978,7 @@
             <a:r>
               <a:rPr lang="zh-CN" altLang="en-US" dirty="0">
                 <a:highlight>
-                  <a:srgbClr val="FFFF00"/>
+                  <a:srgbClr val="0000FF"/>
                 </a:highlight>
               </a:rPr>
               <a:t>宿舍</a:t>
@@ -16803,6 +16990,11 @@
             <a:endParaRPr lang="en-US" altLang="zh-CN" dirty="0"/>
           </a:p>
           <a:p>
+            <a:pPr>
+              <a:lnSpc>
+                <a:spcPct val="120000"/>
+              </a:lnSpc>
+            </a:pPr>
             <a:r>
               <a:rPr lang="zh-CN" altLang="en-US" dirty="0"/>
               <a:t>小飞说我可以去拿！果冻说最好带个</a:t>
@@ -16810,7 +17002,7 @@
             <a:r>
               <a:rPr lang="zh-CN" altLang="en-US" dirty="0">
                 <a:highlight>
-                  <a:srgbClr val="FFFF00"/>
+                  <a:srgbClr val="0000FF"/>
                 </a:highlight>
               </a:rPr>
               <a:t>小礼物 </a:t>
@@ -16822,6 +17014,11 @@
             <a:endParaRPr lang="en-US" altLang="zh-CN" dirty="0"/>
           </a:p>
           <a:p>
+            <a:pPr>
+              <a:lnSpc>
+                <a:spcPct val="120000"/>
+              </a:lnSpc>
+            </a:pPr>
             <a:r>
               <a:rPr lang="zh-CN" altLang="en-US" dirty="0"/>
               <a:t>果冻说荔荔说过她想要</a:t>
@@ -16829,7 +17026,7 @@
             <a:r>
               <a:rPr lang="zh-CN" altLang="en-US" dirty="0">
                 <a:highlight>
-                  <a:srgbClr val="FFFF00"/>
+                  <a:srgbClr val="0000FF"/>
                 </a:highlight>
               </a:rPr>
               <a:t>手织的围巾</a:t>
@@ -16841,7 +17038,7 @@
             <a:r>
               <a:rPr lang="zh-CN" altLang="en-US" dirty="0">
                 <a:highlight>
-                  <a:srgbClr val="FFFF00"/>
+                  <a:srgbClr val="0000FF"/>
                 </a:highlight>
               </a:rPr>
               <a:t>牦牛毛</a:t>
@@ -16853,20 +17050,26 @@
             <a:r>
               <a:rPr lang="zh-CN" altLang="en-US" dirty="0">
                 <a:highlight>
-                  <a:srgbClr val="FFFF00"/>
+                  <a:srgbClr val="0000FF"/>
                 </a:highlight>
               </a:rPr>
-              <a:t>剪牦牛的毛</a:t>
-            </a:r>
-            <a:r>
-              <a:rPr lang="zh-CN" altLang="en-US" dirty="0"/>
-              <a:t> </a:t>
-            </a:r>
-          </a:p>
-          <a:p>
+              <a:t>剪牦牛的毛 </a:t>
+            </a:r>
+          </a:p>
+          <a:p>
+            <a:pPr>
+              <a:lnSpc>
+                <a:spcPct val="120000"/>
+              </a:lnSpc>
+            </a:pPr>
             <a:endParaRPr lang="en-US" altLang="zh-CN" dirty="0"/>
           </a:p>
           <a:p>
+            <a:pPr>
+              <a:lnSpc>
+                <a:spcPct val="120000"/>
+              </a:lnSpc>
+            </a:pPr>
             <a:r>
               <a:rPr lang="zh-CN" altLang="en-US" dirty="0"/>
               <a:t>过了大半天，同学们自习回来了，看到小飞，就问：你为啥要</a:t>
@@ -16874,7 +17077,7 @@
             <a:r>
               <a:rPr lang="zh-CN" altLang="en-US" dirty="0">
                 <a:highlight>
-                  <a:srgbClr val="00FF00"/>
+                  <a:srgbClr val="FF0000"/>
                 </a:highlight>
               </a:rPr>
               <a:t>追着牦牛跑</a:t>
@@ -16889,9 +17092,19 @@
             </a:r>
           </a:p>
           <a:p>
+            <a:pPr>
+              <a:lnSpc>
+                <a:spcPct val="120000"/>
+              </a:lnSpc>
+            </a:pPr>
             <a:endParaRPr lang="en-US" altLang="zh-CN" dirty="0"/>
           </a:p>
           <a:p>
+            <a:pPr>
+              <a:lnSpc>
+                <a:spcPct val="120000"/>
+              </a:lnSpc>
+            </a:pPr>
             <a:r>
               <a:rPr lang="zh-CN" altLang="en-US" b="1" dirty="0"/>
               <a:t>请举一个你生活中的例子</a:t>
@@ -16899,9 +17112,19 @@
             <a:endParaRPr lang="en-US" altLang="zh-CN" b="1" dirty="0"/>
           </a:p>
           <a:p>
+            <a:pPr>
+              <a:lnSpc>
+                <a:spcPct val="120000"/>
+              </a:lnSpc>
+            </a:pPr>
             <a:endParaRPr lang="en-US" altLang="zh-CN" dirty="0"/>
           </a:p>
           <a:p>
+            <a:pPr>
+              <a:lnSpc>
+                <a:spcPct val="120000"/>
+              </a:lnSpc>
+            </a:pPr>
             <a:endParaRPr lang="en-US" dirty="0"/>
           </a:p>
         </p:txBody>
@@ -25895,6 +26118,21 @@
 </file>
 
 <file path=customXml/item1.xml><?xml version="1.0" encoding="utf-8"?>
+<p:properties xmlns:p="http://schemas.microsoft.com/office/2006/metadata/properties" xmlns:xsi="http://www.w3.org/2001/XMLSchema-instance" xmlns:pc="http://schemas.microsoft.com/office/infopath/2007/PartnerControls">
+  <documentManagement/>
+</p:properties>
+</file>
+
+<file path=customXml/item2.xml><?xml version="1.0" encoding="utf-8"?>
+<?mso-contentType ?>
+<FormTemplates xmlns="http://schemas.microsoft.com/sharepoint/v3/contenttype/forms">
+  <Display>DocumentLibraryForm</Display>
+  <Edit>DocumentLibraryForm</Edit>
+  <New>DocumentLibraryForm</New>
+</FormTemplates>
+</file>
+
+<file path=customXml/item3.xml><?xml version="1.0" encoding="utf-8"?>
 <ct:contentTypeSchema xmlns:ct="http://schemas.microsoft.com/office/2006/metadata/contentType" xmlns:ma="http://schemas.microsoft.com/office/2006/metadata/properties/metaAttributes" ct:_="" ma:_="" ma:contentTypeName="Document" ma:contentTypeID="0x0101006371182FA640024E8A2815D490E1EF25" ma:contentTypeVersion="0" ma:contentTypeDescription="Create a new document." ma:contentTypeScope="" ma:versionID="3591aab47f172a2900f307f59d422227">
   <xsd:schema xmlns:xsd="http://www.w3.org/2001/XMLSchema" xmlns:xs="http://www.w3.org/2001/XMLSchema" xmlns:p="http://schemas.microsoft.com/office/2006/metadata/properties" targetNamespace="http://schemas.microsoft.com/office/2006/metadata/properties" ma:root="true" ma:fieldsID="1f28ea01430cdfb20a10736313f817e3">
     <xsd:element name="properties">
@@ -26008,22 +26246,24 @@
 </ct:contentTypeSchema>
 </file>
 
-<file path=customXml/item2.xml><?xml version="1.0" encoding="utf-8"?>
-<p:properties xmlns:p="http://schemas.microsoft.com/office/2006/metadata/properties" xmlns:xsi="http://www.w3.org/2001/XMLSchema-instance" xmlns:pc="http://schemas.microsoft.com/office/infopath/2007/PartnerControls">
-  <documentManagement/>
-</p:properties>
+<file path=customXml/itemProps1.xml><?xml version="1.0" encoding="utf-8"?>
+<ds:datastoreItem xmlns:ds="http://schemas.openxmlformats.org/officeDocument/2006/customXml" ds:itemID="{AC38B70B-68EE-413F-8243-C962F94ACA64}">
+  <ds:schemaRefs>
+    <ds:schemaRef ds:uri="http://schemas.microsoft.com/office/2006/metadata/properties"/>
+    <ds:schemaRef ds:uri="http://schemas.microsoft.com/office/infopath/2007/PartnerControls"/>
+  </ds:schemaRefs>
+</ds:datastoreItem>
 </file>
 
-<file path=customXml/item3.xml><?xml version="1.0" encoding="utf-8"?>
-<?mso-contentType ?>
-<FormTemplates xmlns="http://schemas.microsoft.com/sharepoint/v3/contenttype/forms">
-  <Display>DocumentLibraryForm</Display>
-  <Edit>DocumentLibraryForm</Edit>
-  <New>DocumentLibraryForm</New>
-</FormTemplates>
+<file path=customXml/itemProps2.xml><?xml version="1.0" encoding="utf-8"?>
+<ds:datastoreItem xmlns:ds="http://schemas.openxmlformats.org/officeDocument/2006/customXml" ds:itemID="{8768B0E8-F7C4-4929-B0A1-8ECCA4ABBF95}">
+  <ds:schemaRefs>
+    <ds:schemaRef ds:uri="http://schemas.microsoft.com/sharepoint/v3/contenttype/forms"/>
+  </ds:schemaRefs>
+</ds:datastoreItem>
 </file>
 
-<file path=customXml/itemProps1.xml><?xml version="1.0" encoding="utf-8"?>
+<file path=customXml/itemProps3.xml><?xml version="1.0" encoding="utf-8"?>
 <ds:datastoreItem xmlns:ds="http://schemas.openxmlformats.org/officeDocument/2006/customXml" ds:itemID="{B3B0C391-DDE3-4D99-8DB2-DCB9F2C70771}">
   <ds:schemaRefs>
     <ds:schemaRef ds:uri="http://schemas.microsoft.com/office/2006/metadata/contentType"/>
@@ -26037,21 +26277,4 @@
     <ds:schemaRef ds:uri="http://schemas.microsoft.com/office/infopath/2007/PartnerControls"/>
   </ds:schemaRefs>
 </ds:datastoreItem>
-</file>
-
-<file path=customXml/itemProps2.xml><?xml version="1.0" encoding="utf-8"?>
-<ds:datastoreItem xmlns:ds="http://schemas.openxmlformats.org/officeDocument/2006/customXml" ds:itemID="{AC38B70B-68EE-413F-8243-C962F94ACA64}">
-  <ds:schemaRefs>
-    <ds:schemaRef ds:uri="http://schemas.microsoft.com/office/2006/metadata/properties"/>
-    <ds:schemaRef ds:uri="http://schemas.microsoft.com/office/infopath/2007/PartnerControls"/>
-  </ds:schemaRefs>
-</ds:datastoreItem>
-</file>
-
-<file path=customXml/itemProps3.xml><?xml version="1.0" encoding="utf-8"?>
-<ds:datastoreItem xmlns:ds="http://schemas.openxmlformats.org/officeDocument/2006/customXml" ds:itemID="{8768B0E8-F7C4-4929-B0A1-8ECCA4ABBF95}">
-  <ds:schemaRefs>
-    <ds:schemaRef ds:uri="http://schemas.microsoft.com/sharepoint/v3/contenttype/forms"/>
-  </ds:schemaRefs>
-</ds:datastoreItem>
 </file>